--- a/Homework2/images/UnitSquareUnitCircleDistributions.pptx
+++ b/Homework2/images/UnitSquareUnitCircleDistributions.pptx
@@ -108,6 +108,11 @@
       </a:defRPr>
     </a:lvl9pPr>
   </p:defaultTextStyle>
+  <p:extLst>
+    <p:ext uri="{EFAFB233-063F-42B5-8137-9DF3F51BA10A}">
+      <p15:sldGuideLst xmlns:p15="http://schemas.microsoft.com/office/powerpoint/2012/main"/>
+    </p:ext>
+  </p:extLst>
 </p:presentation>
 </file>
 
@@ -6402,7 +6407,6 @@
               <a:rPr lang="en-US"/>
               <a:t>Click to edit Master title style</a:t>
             </a:r>
-            <a:endParaRPr lang="en-US"/>
           </a:p>
         </p:txBody>
       </p:sp>
@@ -6467,7 +6471,6 @@
               <a:rPr lang="en-US"/>
               <a:t>Click to edit Master subtitle style</a:t>
             </a:r>
-            <a:endParaRPr lang="en-US"/>
           </a:p>
         </p:txBody>
       </p:sp>
@@ -6585,7 +6588,6 @@
               <a:rPr lang="en-US"/>
               <a:t>Click to edit Master title style</a:t>
             </a:r>
-            <a:endParaRPr lang="en-US"/>
           </a:p>
         </p:txBody>
       </p:sp>
@@ -6637,7 +6639,6 @@
               <a:rPr lang="en-US"/>
               <a:t>Fifth level</a:t>
             </a:r>
-            <a:endParaRPr lang="en-US"/>
           </a:p>
         </p:txBody>
       </p:sp>
@@ -6760,7 +6761,6 @@
               <a:rPr lang="en-US"/>
               <a:t>Click to edit Master title style</a:t>
             </a:r>
-            <a:endParaRPr lang="en-US"/>
           </a:p>
         </p:txBody>
       </p:sp>
@@ -6817,7 +6817,6 @@
               <a:rPr lang="en-US"/>
               <a:t>Fifth level</a:t>
             </a:r>
-            <a:endParaRPr lang="en-US"/>
           </a:p>
         </p:txBody>
       </p:sp>
@@ -6935,7 +6934,6 @@
               <a:rPr lang="en-US"/>
               <a:t>Click to edit Master title style</a:t>
             </a:r>
-            <a:endParaRPr lang="en-US"/>
           </a:p>
         </p:txBody>
       </p:sp>
@@ -6987,7 +6985,6 @@
               <a:rPr lang="en-US"/>
               <a:t>Fifth level</a:t>
             </a:r>
-            <a:endParaRPr lang="en-US"/>
           </a:p>
         </p:txBody>
       </p:sp>
@@ -7114,7 +7111,6 @@
               <a:rPr lang="en-US"/>
               <a:t>Click to edit Master title style</a:t>
             </a:r>
-            <a:endParaRPr lang="en-US"/>
           </a:p>
         </p:txBody>
       </p:sp>
@@ -7351,7 +7347,6 @@
               <a:rPr lang="en-US"/>
               <a:t>Click to edit Master title style</a:t>
             </a:r>
-            <a:endParaRPr lang="en-US"/>
           </a:p>
         </p:txBody>
       </p:sp>
@@ -7408,7 +7403,6 @@
               <a:rPr lang="en-US"/>
               <a:t>Fifth level</a:t>
             </a:r>
-            <a:endParaRPr lang="en-US"/>
           </a:p>
         </p:txBody>
       </p:sp>
@@ -7465,7 +7459,6 @@
               <a:rPr lang="en-US"/>
               <a:t>Fifth level</a:t>
             </a:r>
-            <a:endParaRPr lang="en-US"/>
           </a:p>
         </p:txBody>
       </p:sp>
@@ -7588,7 +7581,6 @@
               <a:rPr lang="en-US"/>
               <a:t>Click to edit Master title style</a:t>
             </a:r>
-            <a:endParaRPr lang="en-US"/>
           </a:p>
         </p:txBody>
       </p:sp>
@@ -7710,7 +7702,6 @@
               <a:rPr lang="en-US"/>
               <a:t>Fifth level</a:t>
             </a:r>
-            <a:endParaRPr lang="en-US"/>
           </a:p>
         </p:txBody>
       </p:sp>
@@ -7832,7 +7823,6 @@
               <a:rPr lang="en-US"/>
               <a:t>Fifth level</a:t>
             </a:r>
-            <a:endParaRPr lang="en-US"/>
           </a:p>
         </p:txBody>
       </p:sp>
@@ -7950,7 +7940,6 @@
               <a:rPr lang="en-US"/>
               <a:t>Click to edit Master title style</a:t>
             </a:r>
-            <a:endParaRPr lang="en-US"/>
           </a:p>
         </p:txBody>
       </p:sp>
@@ -8172,7 +8161,6 @@
               <a:rPr lang="en-US"/>
               <a:t>Click to edit Master title style</a:t>
             </a:r>
-            <a:endParaRPr lang="en-US"/>
           </a:p>
         </p:txBody>
       </p:sp>
@@ -8257,7 +8245,6 @@
               <a:rPr lang="en-US"/>
               <a:t>Fifth level</a:t>
             </a:r>
-            <a:endParaRPr lang="en-US"/>
           </a:p>
         </p:txBody>
       </p:sp>
@@ -8449,7 +8436,6 @@
               <a:rPr lang="en-US"/>
               <a:t>Click to edit Master title style</a:t>
             </a:r>
-            <a:endParaRPr lang="en-US"/>
           </a:p>
         </p:txBody>
       </p:sp>
@@ -8708,7 +8694,6 @@
               <a:rPr lang="en-US"/>
               <a:t>Click to edit Master title style</a:t>
             </a:r>
-            <a:endParaRPr lang="en-US"/>
           </a:p>
         </p:txBody>
       </p:sp>
@@ -8770,7 +8755,6 @@
               <a:rPr lang="en-US"/>
               <a:t>Fifth level</a:t>
             </a:r>
-            <a:endParaRPr lang="en-US"/>
           </a:p>
         </p:txBody>
       </p:sp>
@@ -9520,7 +9504,7 @@
       </p:pic>
       <p:pic>
         <p:nvPicPr>
-          <p:cNvPr id="6" name="Picture 5"/>
+          <p:cNvPr id="2" name="Picture 1"/>
           <p:cNvPicPr>
             <a:picLocks noChangeAspect="1"/>
           </p:cNvPicPr>
@@ -9534,7 +9518,31 @@
         </p:blipFill>
         <p:spPr>
           <a:xfrm>
-            <a:off x="5942384" y="327035"/>
+            <a:off x="6531664" y="271818"/>
+            <a:ext cx="4615072" cy="2688569"/>
+          </a:xfrm>
+          <a:prstGeom prst="rect">
+            <a:avLst/>
+          </a:prstGeom>
+        </p:spPr>
+      </p:pic>
+      <p:pic>
+        <p:nvPicPr>
+          <p:cNvPr id="3" name="Picture 2"/>
+          <p:cNvPicPr>
+            <a:picLocks noChangeAspect="1"/>
+          </p:cNvPicPr>
+          <p:nvPr/>
+        </p:nvPicPr>
+        <p:blipFill>
+          <a:blip r:embed="rId4"/>
+          <a:stretch>
+            <a:fillRect/>
+          </a:stretch>
+        </p:blipFill>
+        <p:spPr>
+          <a:xfrm>
+            <a:off x="6531664" y="3324235"/>
             <a:ext cx="4615072" cy="2688569"/>
           </a:xfrm>
           <a:prstGeom prst="rect">
@@ -9644,6 +9652,30 @@
           </a:prstGeom>
         </p:spPr>
       </p:pic>
+      <p:pic>
+        <p:nvPicPr>
+          <p:cNvPr id="2" name="Picture 1"/>
+          <p:cNvPicPr>
+            <a:picLocks noChangeAspect="1"/>
+          </p:cNvPicPr>
+          <p:nvPr/>
+        </p:nvPicPr>
+        <p:blipFill>
+          <a:blip r:embed="rId5"/>
+          <a:stretch>
+            <a:fillRect/>
+          </a:stretch>
+        </p:blipFill>
+        <p:spPr>
+          <a:xfrm>
+            <a:off x="6023664" y="3116370"/>
+            <a:ext cx="4615072" cy="3328704"/>
+          </a:xfrm>
+          <a:prstGeom prst="rect">
+            <a:avLst/>
+          </a:prstGeom>
+        </p:spPr>
+      </p:pic>
     </p:spTree>
     <p:extLst>
       <p:ext uri="{BB962C8B-B14F-4D97-AF65-F5344CB8AC3E}">
@@ -9740,6 +9772,30 @@
           <a:xfrm>
             <a:off x="6684064" y="296554"/>
             <a:ext cx="4615072" cy="2688569"/>
+          </a:xfrm>
+          <a:prstGeom prst="rect">
+            <a:avLst/>
+          </a:prstGeom>
+        </p:spPr>
+      </p:pic>
+      <p:pic>
+        <p:nvPicPr>
+          <p:cNvPr id="2" name="Picture 1"/>
+          <p:cNvPicPr>
+            <a:picLocks noChangeAspect="1"/>
+          </p:cNvPicPr>
+          <p:nvPr/>
+        </p:nvPicPr>
+        <p:blipFill>
+          <a:blip r:embed="rId5"/>
+          <a:stretch>
+            <a:fillRect/>
+          </a:stretch>
+        </p:blipFill>
+        <p:spPr>
+          <a:xfrm>
+            <a:off x="6757235" y="3148175"/>
+            <a:ext cx="4477958" cy="3328704"/>
           </a:xfrm>
           <a:prstGeom prst="rect">
             <a:avLst/>
